--- a/Article/GO/dia_tcp_error/img/img.pptx
+++ b/Article/GO/dia_tcp_error/img/img.pptx
@@ -4089,7 +4089,7 @@
         <p:spPr>
           <a:xfrm>
             <a:off x="3944880" y="4304612"/>
-            <a:ext cx="4302239" cy="646331"/>
+            <a:ext cx="4302239" cy="707886"/>
           </a:xfrm>
           <a:prstGeom prst="rect">
             <a:avLst/>
@@ -4104,16 +4104,16 @@
           <a:p>
             <a:pPr algn="ctr"/>
             <a:r>
-              <a:rPr lang="en-US" altLang="ko-KR" sz="3600" b="1">
+              <a:rPr lang="en-US" altLang="ko-KR" sz="4000" b="1">
                 <a:solidFill>
                   <a:schemeClr val="bg1"/>
                 </a:solidFill>
                 <a:latin typeface="여기어때 잘난체 OTF" panose="020B0600000101010101" pitchFamily="34" charset="-127"/>
                 <a:ea typeface="여기어때 잘난체 OTF" panose="020B0600000101010101" pitchFamily="34" charset="-127"/>
               </a:rPr>
-              <a:t>Hot Reloading </a:t>
-            </a:r>
-            <a:endParaRPr lang="ko-KR" altLang="en-US" sz="3600" b="1">
+              <a:t>Crush Error</a:t>
+            </a:r>
+            <a:endParaRPr lang="ko-KR" altLang="en-US" sz="4000" b="1">
               <a:solidFill>
                 <a:schemeClr val="bg1"/>
               </a:solidFill>
